--- a/figures/boltzmann-wrong-prior.pptx
+++ b/figures/boltzmann-wrong-prior.pptx
@@ -2,17 +2,18 @@
 <file path=ppt/presentation.xml><?xml version="1.0" encoding="utf-8"?>
 <p:presentation xmlns:a="http://schemas.openxmlformats.org/drawingml/2006/main" xmlns:r="http://schemas.openxmlformats.org/officeDocument/2006/relationships" xmlns:p="http://schemas.openxmlformats.org/presentationml/2006/main" saveSubsetFonts="1" autoCompressPictures="0">
   <p:sldMasterIdLst>
-    <p:sldMasterId id="2147483708" r:id="rId1"/>
+    <p:sldMasterId id="2147483720" r:id="rId1"/>
   </p:sldMasterIdLst>
   <p:notesMasterIdLst>
-    <p:notesMasterId r:id="rId5"/>
+    <p:notesMasterId r:id="rId6"/>
   </p:notesMasterIdLst>
   <p:sldIdLst>
     <p:sldId id="256" r:id="rId2"/>
-    <p:sldId id="258" r:id="rId3"/>
-    <p:sldId id="257" r:id="rId4"/>
+    <p:sldId id="259" r:id="rId3"/>
+    <p:sldId id="258" r:id="rId4"/>
+    <p:sldId id="257" r:id="rId5"/>
   </p:sldIdLst>
-  <p:sldSz cx="8229600" cy="5029200"/>
+  <p:sldSz cx="8229600" cy="7315200"/>
   <p:notesSz cx="6858000" cy="9144000"/>
   <p:defaultTextStyle>
     <a:defPPr>
@@ -199,7 +200,7 @@
           <a:p>
             <a:fld id="{4D654C45-5AD5-704B-88E2-7E702674D773}" type="datetimeFigureOut">
               <a:rPr lang="en-US" smtClean="0"/>
-              <a:t>5/16/17</a:t>
+              <a:t>5/17/17</a:t>
             </a:fld>
             <a:endParaRPr lang="en-US"/>
           </a:p>
@@ -217,8 +218,8 @@
         </p:nvSpPr>
         <p:spPr>
           <a:xfrm>
-            <a:off x="904875" y="1143000"/>
-            <a:ext cx="5048250" cy="3086100"/>
+            <a:off x="1692275" y="1143000"/>
+            <a:ext cx="3473450" cy="3086100"/>
           </a:xfrm>
           <a:prstGeom prst="rect">
             <a:avLst/>
@@ -496,15 +497,15 @@
         </p:nvSpPr>
         <p:spPr>
           <a:xfrm>
-            <a:off x="1028700" y="823066"/>
-            <a:ext cx="6172200" cy="1750907"/>
+            <a:off x="617220" y="1197187"/>
+            <a:ext cx="6995160" cy="2546773"/>
           </a:xfrm>
         </p:spPr>
         <p:txBody>
           <a:bodyPr anchor="b"/>
           <a:lstStyle>
             <a:lvl1pPr algn="ctr">
-              <a:defRPr sz="4050"/>
+              <a:defRPr sz="5400"/>
             </a:lvl1pPr>
           </a:lstStyle>
           <a:p>
@@ -528,8 +529,8 @@
         </p:nvSpPr>
         <p:spPr>
           <a:xfrm>
-            <a:off x="1028700" y="2641495"/>
-            <a:ext cx="6172200" cy="1214225"/>
+            <a:off x="1028700" y="3842174"/>
+            <a:ext cx="6172200" cy="1766146"/>
           </a:xfrm>
         </p:spPr>
         <p:txBody>
@@ -537,39 +538,39 @@
           <a:lstStyle>
             <a:lvl1pPr marL="0" indent="0" algn="ctr">
               <a:buNone/>
+              <a:defRPr sz="2160"/>
+            </a:lvl1pPr>
+            <a:lvl2pPr marL="411480" indent="0" algn="ctr">
+              <a:buNone/>
+              <a:defRPr sz="1800"/>
+            </a:lvl2pPr>
+            <a:lvl3pPr marL="822960" indent="0" algn="ctr">
+              <a:buNone/>
               <a:defRPr sz="1620"/>
-            </a:lvl1pPr>
-            <a:lvl2pPr marL="308610" indent="0" algn="ctr">
-              <a:buNone/>
-              <a:defRPr sz="1350"/>
-            </a:lvl2pPr>
-            <a:lvl3pPr marL="617220" indent="0" algn="ctr">
-              <a:buNone/>
-              <a:defRPr sz="1215"/>
             </a:lvl3pPr>
-            <a:lvl4pPr marL="925830" indent="0" algn="ctr">
-              <a:buNone/>
-              <a:defRPr sz="1080"/>
+            <a:lvl4pPr marL="1234440" indent="0" algn="ctr">
+              <a:buNone/>
+              <a:defRPr sz="1440"/>
             </a:lvl4pPr>
-            <a:lvl5pPr marL="1234440" indent="0" algn="ctr">
-              <a:buNone/>
-              <a:defRPr sz="1080"/>
+            <a:lvl5pPr marL="1645920" indent="0" algn="ctr">
+              <a:buNone/>
+              <a:defRPr sz="1440"/>
             </a:lvl5pPr>
-            <a:lvl6pPr marL="1543050" indent="0" algn="ctr">
-              <a:buNone/>
-              <a:defRPr sz="1080"/>
+            <a:lvl6pPr marL="2057400" indent="0" algn="ctr">
+              <a:buNone/>
+              <a:defRPr sz="1440"/>
             </a:lvl6pPr>
-            <a:lvl7pPr marL="1851660" indent="0" algn="ctr">
-              <a:buNone/>
-              <a:defRPr sz="1080"/>
+            <a:lvl7pPr marL="2468880" indent="0" algn="ctr">
+              <a:buNone/>
+              <a:defRPr sz="1440"/>
             </a:lvl7pPr>
-            <a:lvl8pPr marL="2160270" indent="0" algn="ctr">
-              <a:buNone/>
-              <a:defRPr sz="1080"/>
+            <a:lvl8pPr marL="2880360" indent="0" algn="ctr">
+              <a:buNone/>
+              <a:defRPr sz="1440"/>
             </a:lvl8pPr>
-            <a:lvl9pPr marL="2468880" indent="0" algn="ctr">
-              <a:buNone/>
-              <a:defRPr sz="1080"/>
+            <a:lvl9pPr marL="3291840" indent="0" algn="ctr">
+              <a:buNone/>
+              <a:defRPr sz="1440"/>
             </a:lvl9pPr>
           </a:lstStyle>
           <a:p>
@@ -598,7 +599,7 @@
           <a:p>
             <a:fld id="{6BEE9317-30CC-7C49-B555-F232CBED8BD6}" type="datetimeFigureOut">
               <a:rPr lang="en-US" smtClean="0"/>
-              <a:t>5/16/17</a:t>
+              <a:t>5/17/17</a:t>
             </a:fld>
             <a:endParaRPr lang="en-US"/>
           </a:p>
@@ -763,7 +764,7 @@
           <a:p>
             <a:fld id="{6BEE9317-30CC-7C49-B555-F232CBED8BD6}" type="datetimeFigureOut">
               <a:rPr lang="en-US" smtClean="0"/>
-              <a:t>5/16/17</a:t>
+              <a:t>5/17/17</a:t>
             </a:fld>
             <a:endParaRPr lang="en-US"/>
           </a:p>
@@ -848,8 +849,8 @@
         </p:nvSpPr>
         <p:spPr>
           <a:xfrm>
-            <a:off x="5889307" y="267758"/>
-            <a:ext cx="1774508" cy="4262015"/>
+            <a:off x="5889308" y="389467"/>
+            <a:ext cx="1774508" cy="6199294"/>
           </a:xfrm>
         </p:spPr>
         <p:txBody>
@@ -876,8 +877,8 @@
         </p:nvSpPr>
         <p:spPr>
           <a:xfrm>
-            <a:off x="565785" y="267758"/>
-            <a:ext cx="5220653" cy="4262015"/>
+            <a:off x="565785" y="389467"/>
+            <a:ext cx="5220653" cy="6199294"/>
           </a:xfrm>
         </p:spPr>
         <p:txBody>
@@ -938,7 +939,7 @@
           <a:p>
             <a:fld id="{6BEE9317-30CC-7C49-B555-F232CBED8BD6}" type="datetimeFigureOut">
               <a:rPr lang="en-US" smtClean="0"/>
-              <a:t>5/16/17</a:t>
+              <a:t>5/17/17</a:t>
             </a:fld>
             <a:endParaRPr lang="en-US"/>
           </a:p>
@@ -1103,7 +1104,7 @@
           <a:p>
             <a:fld id="{6BEE9317-30CC-7C49-B555-F232CBED8BD6}" type="datetimeFigureOut">
               <a:rPr lang="en-US" smtClean="0"/>
-              <a:t>5/16/17</a:t>
+              <a:t>5/17/17</a:t>
             </a:fld>
             <a:endParaRPr lang="en-US"/>
           </a:p>
@@ -1188,15 +1189,15 @@
         </p:nvSpPr>
         <p:spPr>
           <a:xfrm>
-            <a:off x="561499" y="1253808"/>
-            <a:ext cx="7098030" cy="2092007"/>
+            <a:off x="561499" y="1823722"/>
+            <a:ext cx="7098030" cy="3042919"/>
           </a:xfrm>
         </p:spPr>
         <p:txBody>
           <a:bodyPr anchor="b"/>
           <a:lstStyle>
             <a:lvl1pPr>
-              <a:defRPr sz="4050"/>
+              <a:defRPr sz="5400"/>
             </a:lvl1pPr>
           </a:lstStyle>
           <a:p>
@@ -1220,14 +1221,32 @@
         </p:nvSpPr>
         <p:spPr>
           <a:xfrm>
-            <a:off x="561499" y="3365607"/>
-            <a:ext cx="7098030" cy="1100137"/>
+            <a:off x="561499" y="4895429"/>
+            <a:ext cx="7098030" cy="1600199"/>
           </a:xfrm>
         </p:spPr>
         <p:txBody>
           <a:bodyPr/>
           <a:lstStyle>
             <a:lvl1pPr marL="0" indent="0">
+              <a:buNone/>
+              <a:defRPr sz="2160">
+                <a:solidFill>
+                  <a:schemeClr val="tx1"/>
+                </a:solidFill>
+              </a:defRPr>
+            </a:lvl1pPr>
+            <a:lvl2pPr marL="411480" indent="0">
+              <a:buNone/>
+              <a:defRPr sz="1800">
+                <a:solidFill>
+                  <a:schemeClr val="tx1">
+                    <a:tint val="75000"/>
+                  </a:schemeClr>
+                </a:solidFill>
+              </a:defRPr>
+            </a:lvl2pPr>
+            <a:lvl3pPr marL="822960" indent="0">
               <a:buNone/>
               <a:defRPr sz="1620">
                 <a:solidFill>
@@ -1236,30 +1255,10 @@
                   </a:schemeClr>
                 </a:solidFill>
               </a:defRPr>
-            </a:lvl1pPr>
-            <a:lvl2pPr marL="308610" indent="0">
-              <a:buNone/>
-              <a:defRPr sz="1350">
-                <a:solidFill>
-                  <a:schemeClr val="tx1">
-                    <a:tint val="75000"/>
-                  </a:schemeClr>
-                </a:solidFill>
-              </a:defRPr>
-            </a:lvl2pPr>
-            <a:lvl3pPr marL="617220" indent="0">
-              <a:buNone/>
-              <a:defRPr sz="1215">
-                <a:solidFill>
-                  <a:schemeClr val="tx1">
-                    <a:tint val="75000"/>
-                  </a:schemeClr>
-                </a:solidFill>
-              </a:defRPr>
             </a:lvl3pPr>
-            <a:lvl4pPr marL="925830" indent="0">
-              <a:buNone/>
-              <a:defRPr sz="1080">
+            <a:lvl4pPr marL="1234440" indent="0">
+              <a:buNone/>
+              <a:defRPr sz="1440">
                 <a:solidFill>
                   <a:schemeClr val="tx1">
                     <a:tint val="75000"/>
@@ -1267,9 +1266,9 @@
                 </a:solidFill>
               </a:defRPr>
             </a:lvl4pPr>
-            <a:lvl5pPr marL="1234440" indent="0">
-              <a:buNone/>
-              <a:defRPr sz="1080">
+            <a:lvl5pPr marL="1645920" indent="0">
+              <a:buNone/>
+              <a:defRPr sz="1440">
                 <a:solidFill>
                   <a:schemeClr val="tx1">
                     <a:tint val="75000"/>
@@ -1277,9 +1276,9 @@
                 </a:solidFill>
               </a:defRPr>
             </a:lvl5pPr>
-            <a:lvl6pPr marL="1543050" indent="0">
-              <a:buNone/>
-              <a:defRPr sz="1080">
+            <a:lvl6pPr marL="2057400" indent="0">
+              <a:buNone/>
+              <a:defRPr sz="1440">
                 <a:solidFill>
                   <a:schemeClr val="tx1">
                     <a:tint val="75000"/>
@@ -1287,9 +1286,9 @@
                 </a:solidFill>
               </a:defRPr>
             </a:lvl6pPr>
-            <a:lvl7pPr marL="1851660" indent="0">
-              <a:buNone/>
-              <a:defRPr sz="1080">
+            <a:lvl7pPr marL="2468880" indent="0">
+              <a:buNone/>
+              <a:defRPr sz="1440">
                 <a:solidFill>
                   <a:schemeClr val="tx1">
                     <a:tint val="75000"/>
@@ -1297,9 +1296,9 @@
                 </a:solidFill>
               </a:defRPr>
             </a:lvl7pPr>
-            <a:lvl8pPr marL="2160270" indent="0">
-              <a:buNone/>
-              <a:defRPr sz="1080">
+            <a:lvl8pPr marL="2880360" indent="0">
+              <a:buNone/>
+              <a:defRPr sz="1440">
                 <a:solidFill>
                   <a:schemeClr val="tx1">
                     <a:tint val="75000"/>
@@ -1307,9 +1306,9 @@
                 </a:solidFill>
               </a:defRPr>
             </a:lvl8pPr>
-            <a:lvl9pPr marL="2468880" indent="0">
-              <a:buNone/>
-              <a:defRPr sz="1080">
+            <a:lvl9pPr marL="3291840" indent="0">
+              <a:buNone/>
+              <a:defRPr sz="1440">
                 <a:solidFill>
                   <a:schemeClr val="tx1">
                     <a:tint val="75000"/>
@@ -1344,7 +1343,7 @@
           <a:p>
             <a:fld id="{6BEE9317-30CC-7C49-B555-F232CBED8BD6}" type="datetimeFigureOut">
               <a:rPr lang="en-US" smtClean="0"/>
-              <a:t>5/16/17</a:t>
+              <a:t>5/17/17</a:t>
             </a:fld>
             <a:endParaRPr lang="en-US"/>
           </a:p>
@@ -1452,8 +1451,8 @@
         </p:nvSpPr>
         <p:spPr>
           <a:xfrm>
-            <a:off x="565785" y="1338792"/>
-            <a:ext cx="3497580" cy="3190981"/>
+            <a:off x="565785" y="1947333"/>
+            <a:ext cx="3497580" cy="4641427"/>
           </a:xfrm>
         </p:spPr>
         <p:txBody>
@@ -1509,8 +1508,8 @@
         </p:nvSpPr>
         <p:spPr>
           <a:xfrm>
-            <a:off x="4166235" y="1338792"/>
-            <a:ext cx="3497580" cy="3190981"/>
+            <a:off x="4166235" y="1947333"/>
+            <a:ext cx="3497580" cy="4641427"/>
           </a:xfrm>
         </p:spPr>
         <p:txBody>
@@ -1571,7 +1570,7 @@
           <a:p>
             <a:fld id="{6BEE9317-30CC-7C49-B555-F232CBED8BD6}" type="datetimeFigureOut">
               <a:rPr lang="en-US" smtClean="0"/>
-              <a:t>5/16/17</a:t>
+              <a:t>5/17/17</a:t>
             </a:fld>
             <a:endParaRPr lang="en-US"/>
           </a:p>
@@ -1656,8 +1655,8 @@
         </p:nvSpPr>
         <p:spPr>
           <a:xfrm>
-            <a:off x="566857" y="267758"/>
-            <a:ext cx="7098030" cy="972080"/>
+            <a:off x="566857" y="389468"/>
+            <a:ext cx="7098030" cy="1413934"/>
           </a:xfrm>
         </p:spPr>
         <p:txBody>
@@ -1684,8 +1683,8 @@
         </p:nvSpPr>
         <p:spPr>
           <a:xfrm>
-            <a:off x="566857" y="1232853"/>
-            <a:ext cx="3481506" cy="604202"/>
+            <a:off x="566858" y="1793241"/>
+            <a:ext cx="3481506" cy="878839"/>
           </a:xfrm>
         </p:spPr>
         <p:txBody>
@@ -1693,39 +1692,39 @@
           <a:lstStyle>
             <a:lvl1pPr marL="0" indent="0">
               <a:buNone/>
+              <a:defRPr sz="2160" b="1"/>
+            </a:lvl1pPr>
+            <a:lvl2pPr marL="411480" indent="0">
+              <a:buNone/>
+              <a:defRPr sz="1800" b="1"/>
+            </a:lvl2pPr>
+            <a:lvl3pPr marL="822960" indent="0">
+              <a:buNone/>
               <a:defRPr sz="1620" b="1"/>
-            </a:lvl1pPr>
-            <a:lvl2pPr marL="308610" indent="0">
-              <a:buNone/>
-              <a:defRPr sz="1350" b="1"/>
-            </a:lvl2pPr>
-            <a:lvl3pPr marL="617220" indent="0">
-              <a:buNone/>
-              <a:defRPr sz="1215" b="1"/>
             </a:lvl3pPr>
-            <a:lvl4pPr marL="925830" indent="0">
-              <a:buNone/>
-              <a:defRPr sz="1080" b="1"/>
+            <a:lvl4pPr marL="1234440" indent="0">
+              <a:buNone/>
+              <a:defRPr sz="1440" b="1"/>
             </a:lvl4pPr>
-            <a:lvl5pPr marL="1234440" indent="0">
-              <a:buNone/>
-              <a:defRPr sz="1080" b="1"/>
+            <a:lvl5pPr marL="1645920" indent="0">
+              <a:buNone/>
+              <a:defRPr sz="1440" b="1"/>
             </a:lvl5pPr>
-            <a:lvl6pPr marL="1543050" indent="0">
-              <a:buNone/>
-              <a:defRPr sz="1080" b="1"/>
+            <a:lvl6pPr marL="2057400" indent="0">
+              <a:buNone/>
+              <a:defRPr sz="1440" b="1"/>
             </a:lvl6pPr>
-            <a:lvl7pPr marL="1851660" indent="0">
-              <a:buNone/>
-              <a:defRPr sz="1080" b="1"/>
+            <a:lvl7pPr marL="2468880" indent="0">
+              <a:buNone/>
+              <a:defRPr sz="1440" b="1"/>
             </a:lvl7pPr>
-            <a:lvl8pPr marL="2160270" indent="0">
-              <a:buNone/>
-              <a:defRPr sz="1080" b="1"/>
+            <a:lvl8pPr marL="2880360" indent="0">
+              <a:buNone/>
+              <a:defRPr sz="1440" b="1"/>
             </a:lvl8pPr>
-            <a:lvl9pPr marL="2468880" indent="0">
-              <a:buNone/>
-              <a:defRPr sz="1080" b="1"/>
+            <a:lvl9pPr marL="3291840" indent="0">
+              <a:buNone/>
+              <a:defRPr sz="1440" b="1"/>
             </a:lvl9pPr>
           </a:lstStyle>
           <a:p>
@@ -1749,8 +1748,8 @@
         </p:nvSpPr>
         <p:spPr>
           <a:xfrm>
-            <a:off x="566857" y="1837055"/>
-            <a:ext cx="3481506" cy="2702031"/>
+            <a:off x="566858" y="2672080"/>
+            <a:ext cx="3481506" cy="3930227"/>
           </a:xfrm>
         </p:spPr>
         <p:txBody>
@@ -1806,8 +1805,8 @@
         </p:nvSpPr>
         <p:spPr>
           <a:xfrm>
-            <a:off x="4166235" y="1232853"/>
-            <a:ext cx="3498652" cy="604202"/>
+            <a:off x="4166235" y="1793241"/>
+            <a:ext cx="3498652" cy="878839"/>
           </a:xfrm>
         </p:spPr>
         <p:txBody>
@@ -1815,39 +1814,39 @@
           <a:lstStyle>
             <a:lvl1pPr marL="0" indent="0">
               <a:buNone/>
+              <a:defRPr sz="2160" b="1"/>
+            </a:lvl1pPr>
+            <a:lvl2pPr marL="411480" indent="0">
+              <a:buNone/>
+              <a:defRPr sz="1800" b="1"/>
+            </a:lvl2pPr>
+            <a:lvl3pPr marL="822960" indent="0">
+              <a:buNone/>
               <a:defRPr sz="1620" b="1"/>
-            </a:lvl1pPr>
-            <a:lvl2pPr marL="308610" indent="0">
-              <a:buNone/>
-              <a:defRPr sz="1350" b="1"/>
-            </a:lvl2pPr>
-            <a:lvl3pPr marL="617220" indent="0">
-              <a:buNone/>
-              <a:defRPr sz="1215" b="1"/>
             </a:lvl3pPr>
-            <a:lvl4pPr marL="925830" indent="0">
-              <a:buNone/>
-              <a:defRPr sz="1080" b="1"/>
+            <a:lvl4pPr marL="1234440" indent="0">
+              <a:buNone/>
+              <a:defRPr sz="1440" b="1"/>
             </a:lvl4pPr>
-            <a:lvl5pPr marL="1234440" indent="0">
-              <a:buNone/>
-              <a:defRPr sz="1080" b="1"/>
+            <a:lvl5pPr marL="1645920" indent="0">
+              <a:buNone/>
+              <a:defRPr sz="1440" b="1"/>
             </a:lvl5pPr>
-            <a:lvl6pPr marL="1543050" indent="0">
-              <a:buNone/>
-              <a:defRPr sz="1080" b="1"/>
+            <a:lvl6pPr marL="2057400" indent="0">
+              <a:buNone/>
+              <a:defRPr sz="1440" b="1"/>
             </a:lvl6pPr>
-            <a:lvl7pPr marL="1851660" indent="0">
-              <a:buNone/>
-              <a:defRPr sz="1080" b="1"/>
+            <a:lvl7pPr marL="2468880" indent="0">
+              <a:buNone/>
+              <a:defRPr sz="1440" b="1"/>
             </a:lvl7pPr>
-            <a:lvl8pPr marL="2160270" indent="0">
-              <a:buNone/>
-              <a:defRPr sz="1080" b="1"/>
+            <a:lvl8pPr marL="2880360" indent="0">
+              <a:buNone/>
+              <a:defRPr sz="1440" b="1"/>
             </a:lvl8pPr>
-            <a:lvl9pPr marL="2468880" indent="0">
-              <a:buNone/>
-              <a:defRPr sz="1080" b="1"/>
+            <a:lvl9pPr marL="3291840" indent="0">
+              <a:buNone/>
+              <a:defRPr sz="1440" b="1"/>
             </a:lvl9pPr>
           </a:lstStyle>
           <a:p>
@@ -1871,8 +1870,8 @@
         </p:nvSpPr>
         <p:spPr>
           <a:xfrm>
-            <a:off x="4166235" y="1837055"/>
-            <a:ext cx="3498652" cy="2702031"/>
+            <a:off x="4166235" y="2672080"/>
+            <a:ext cx="3498652" cy="3930227"/>
           </a:xfrm>
         </p:spPr>
         <p:txBody>
@@ -1933,7 +1932,7 @@
           <a:p>
             <a:fld id="{6BEE9317-30CC-7C49-B555-F232CBED8BD6}" type="datetimeFigureOut">
               <a:rPr lang="en-US" smtClean="0"/>
-              <a:t>5/16/17</a:t>
+              <a:t>5/17/17</a:t>
             </a:fld>
             <a:endParaRPr lang="en-US"/>
           </a:p>
@@ -2046,7 +2045,7 @@
           <a:p>
             <a:fld id="{6BEE9317-30CC-7C49-B555-F232CBED8BD6}" type="datetimeFigureOut">
               <a:rPr lang="en-US" smtClean="0"/>
-              <a:t>5/16/17</a:t>
+              <a:t>5/17/17</a:t>
             </a:fld>
             <a:endParaRPr lang="en-US"/>
           </a:p>
@@ -2136,7 +2135,7 @@
           <a:p>
             <a:fld id="{6BEE9317-30CC-7C49-B555-F232CBED8BD6}" type="datetimeFigureOut">
               <a:rPr lang="en-US" smtClean="0"/>
-              <a:t>5/16/17</a:t>
+              <a:t>5/17/17</a:t>
             </a:fld>
             <a:endParaRPr lang="en-US"/>
           </a:p>
@@ -2221,15 +2220,15 @@
         </p:nvSpPr>
         <p:spPr>
           <a:xfrm>
-            <a:off x="566857" y="335280"/>
-            <a:ext cx="2654260" cy="1173480"/>
+            <a:off x="566857" y="487680"/>
+            <a:ext cx="2654260" cy="1706880"/>
           </a:xfrm>
         </p:spPr>
         <p:txBody>
           <a:bodyPr anchor="b"/>
           <a:lstStyle>
             <a:lvl1pPr>
-              <a:defRPr sz="2160"/>
+              <a:defRPr sz="2880"/>
             </a:lvl1pPr>
           </a:lstStyle>
           <a:p>
@@ -2253,39 +2252,39 @@
         </p:nvSpPr>
         <p:spPr>
           <a:xfrm>
-            <a:off x="3498652" y="724112"/>
-            <a:ext cx="4166235" cy="3573992"/>
+            <a:off x="3498652" y="1053255"/>
+            <a:ext cx="4166235" cy="5198533"/>
           </a:xfrm>
         </p:spPr>
         <p:txBody>
           <a:bodyPr/>
           <a:lstStyle>
             <a:lvl1pPr>
-              <a:defRPr sz="2160"/>
+              <a:defRPr sz="2880"/>
             </a:lvl1pPr>
             <a:lvl2pPr>
-              <a:defRPr sz="1890"/>
+              <a:defRPr sz="2520"/>
             </a:lvl2pPr>
             <a:lvl3pPr>
-              <a:defRPr sz="1620"/>
+              <a:defRPr sz="2160"/>
             </a:lvl3pPr>
             <a:lvl4pPr>
-              <a:defRPr sz="1350"/>
+              <a:defRPr sz="1800"/>
             </a:lvl4pPr>
             <a:lvl5pPr>
-              <a:defRPr sz="1350"/>
+              <a:defRPr sz="1800"/>
             </a:lvl5pPr>
             <a:lvl6pPr>
-              <a:defRPr sz="1350"/>
+              <a:defRPr sz="1800"/>
             </a:lvl6pPr>
             <a:lvl7pPr>
-              <a:defRPr sz="1350"/>
+              <a:defRPr sz="1800"/>
             </a:lvl7pPr>
             <a:lvl8pPr>
-              <a:defRPr sz="1350"/>
+              <a:defRPr sz="1800"/>
             </a:lvl8pPr>
             <a:lvl9pPr>
-              <a:defRPr sz="1350"/>
+              <a:defRPr sz="1800"/>
             </a:lvl9pPr>
           </a:lstStyle>
           <a:p>
@@ -2338,8 +2337,8 @@
         </p:nvSpPr>
         <p:spPr>
           <a:xfrm>
-            <a:off x="566857" y="1508760"/>
-            <a:ext cx="2654260" cy="2795165"/>
+            <a:off x="566857" y="2194560"/>
+            <a:ext cx="2654260" cy="4065694"/>
           </a:xfrm>
         </p:spPr>
         <p:txBody>
@@ -2347,39 +2346,39 @@
           <a:lstStyle>
             <a:lvl1pPr marL="0" indent="0">
               <a:buNone/>
+              <a:defRPr sz="1440"/>
+            </a:lvl1pPr>
+            <a:lvl2pPr marL="411480" indent="0">
+              <a:buNone/>
+              <a:defRPr sz="1260"/>
+            </a:lvl2pPr>
+            <a:lvl3pPr marL="822960" indent="0">
+              <a:buNone/>
               <a:defRPr sz="1080"/>
-            </a:lvl1pPr>
-            <a:lvl2pPr marL="308610" indent="0">
-              <a:buNone/>
-              <a:defRPr sz="945"/>
-            </a:lvl2pPr>
-            <a:lvl3pPr marL="617220" indent="0">
-              <a:buNone/>
-              <a:defRPr sz="810"/>
             </a:lvl3pPr>
-            <a:lvl4pPr marL="925830" indent="0">
-              <a:buNone/>
-              <a:defRPr sz="675"/>
+            <a:lvl4pPr marL="1234440" indent="0">
+              <a:buNone/>
+              <a:defRPr sz="900"/>
             </a:lvl4pPr>
-            <a:lvl5pPr marL="1234440" indent="0">
-              <a:buNone/>
-              <a:defRPr sz="675"/>
+            <a:lvl5pPr marL="1645920" indent="0">
+              <a:buNone/>
+              <a:defRPr sz="900"/>
             </a:lvl5pPr>
-            <a:lvl6pPr marL="1543050" indent="0">
-              <a:buNone/>
-              <a:defRPr sz="675"/>
+            <a:lvl6pPr marL="2057400" indent="0">
+              <a:buNone/>
+              <a:defRPr sz="900"/>
             </a:lvl6pPr>
-            <a:lvl7pPr marL="1851660" indent="0">
-              <a:buNone/>
-              <a:defRPr sz="675"/>
+            <a:lvl7pPr marL="2468880" indent="0">
+              <a:buNone/>
+              <a:defRPr sz="900"/>
             </a:lvl7pPr>
-            <a:lvl8pPr marL="2160270" indent="0">
-              <a:buNone/>
-              <a:defRPr sz="675"/>
+            <a:lvl8pPr marL="2880360" indent="0">
+              <a:buNone/>
+              <a:defRPr sz="900"/>
             </a:lvl8pPr>
-            <a:lvl9pPr marL="2468880" indent="0">
-              <a:buNone/>
-              <a:defRPr sz="675"/>
+            <a:lvl9pPr marL="3291840" indent="0">
+              <a:buNone/>
+              <a:defRPr sz="900"/>
             </a:lvl9pPr>
           </a:lstStyle>
           <a:p>
@@ -2408,7 +2407,7 @@
           <a:p>
             <a:fld id="{6BEE9317-30CC-7C49-B555-F232CBED8BD6}" type="datetimeFigureOut">
               <a:rPr lang="en-US" smtClean="0"/>
-              <a:t>5/16/17</a:t>
+              <a:t>5/17/17</a:t>
             </a:fld>
             <a:endParaRPr lang="en-US"/>
           </a:p>
@@ -2493,15 +2492,15 @@
         </p:nvSpPr>
         <p:spPr>
           <a:xfrm>
-            <a:off x="566857" y="335280"/>
-            <a:ext cx="2654260" cy="1173480"/>
+            <a:off x="566857" y="487680"/>
+            <a:ext cx="2654260" cy="1706880"/>
           </a:xfrm>
         </p:spPr>
         <p:txBody>
           <a:bodyPr anchor="b"/>
           <a:lstStyle>
             <a:lvl1pPr>
-              <a:defRPr sz="2160"/>
+              <a:defRPr sz="2880"/>
             </a:lvl1pPr>
           </a:lstStyle>
           <a:p>
@@ -2525,8 +2524,8 @@
         </p:nvSpPr>
         <p:spPr>
           <a:xfrm>
-            <a:off x="3498652" y="724112"/>
-            <a:ext cx="4166235" cy="3573992"/>
+            <a:off x="3498652" y="1053255"/>
+            <a:ext cx="4166235" cy="5198533"/>
           </a:xfrm>
         </p:spPr>
         <p:txBody>
@@ -2534,39 +2533,39 @@
           <a:lstStyle>
             <a:lvl1pPr marL="0" indent="0">
               <a:buNone/>
+              <a:defRPr sz="2880"/>
+            </a:lvl1pPr>
+            <a:lvl2pPr marL="411480" indent="0">
+              <a:buNone/>
+              <a:defRPr sz="2520"/>
+            </a:lvl2pPr>
+            <a:lvl3pPr marL="822960" indent="0">
+              <a:buNone/>
               <a:defRPr sz="2160"/>
-            </a:lvl1pPr>
-            <a:lvl2pPr marL="308610" indent="0">
-              <a:buNone/>
-              <a:defRPr sz="1890"/>
-            </a:lvl2pPr>
-            <a:lvl3pPr marL="617220" indent="0">
-              <a:buNone/>
-              <a:defRPr sz="1620"/>
             </a:lvl3pPr>
-            <a:lvl4pPr marL="925830" indent="0">
-              <a:buNone/>
-              <a:defRPr sz="1350"/>
+            <a:lvl4pPr marL="1234440" indent="0">
+              <a:buNone/>
+              <a:defRPr sz="1800"/>
             </a:lvl4pPr>
-            <a:lvl5pPr marL="1234440" indent="0">
-              <a:buNone/>
-              <a:defRPr sz="1350"/>
+            <a:lvl5pPr marL="1645920" indent="0">
+              <a:buNone/>
+              <a:defRPr sz="1800"/>
             </a:lvl5pPr>
-            <a:lvl6pPr marL="1543050" indent="0">
-              <a:buNone/>
-              <a:defRPr sz="1350"/>
+            <a:lvl6pPr marL="2057400" indent="0">
+              <a:buNone/>
+              <a:defRPr sz="1800"/>
             </a:lvl6pPr>
-            <a:lvl7pPr marL="1851660" indent="0">
-              <a:buNone/>
-              <a:defRPr sz="1350"/>
+            <a:lvl7pPr marL="2468880" indent="0">
+              <a:buNone/>
+              <a:defRPr sz="1800"/>
             </a:lvl7pPr>
-            <a:lvl8pPr marL="2160270" indent="0">
-              <a:buNone/>
-              <a:defRPr sz="1350"/>
+            <a:lvl8pPr marL="2880360" indent="0">
+              <a:buNone/>
+              <a:defRPr sz="1800"/>
             </a:lvl8pPr>
-            <a:lvl9pPr marL="2468880" indent="0">
-              <a:buNone/>
-              <a:defRPr sz="1350"/>
+            <a:lvl9pPr marL="3291840" indent="0">
+              <a:buNone/>
+              <a:defRPr sz="1800"/>
             </a:lvl9pPr>
           </a:lstStyle>
           <a:p>
@@ -2590,8 +2589,8 @@
         </p:nvSpPr>
         <p:spPr>
           <a:xfrm>
-            <a:off x="566857" y="1508760"/>
-            <a:ext cx="2654260" cy="2795165"/>
+            <a:off x="566857" y="2194560"/>
+            <a:ext cx="2654260" cy="4065694"/>
           </a:xfrm>
         </p:spPr>
         <p:txBody>
@@ -2599,39 +2598,39 @@
           <a:lstStyle>
             <a:lvl1pPr marL="0" indent="0">
               <a:buNone/>
+              <a:defRPr sz="1440"/>
+            </a:lvl1pPr>
+            <a:lvl2pPr marL="411480" indent="0">
+              <a:buNone/>
+              <a:defRPr sz="1260"/>
+            </a:lvl2pPr>
+            <a:lvl3pPr marL="822960" indent="0">
+              <a:buNone/>
               <a:defRPr sz="1080"/>
-            </a:lvl1pPr>
-            <a:lvl2pPr marL="308610" indent="0">
-              <a:buNone/>
-              <a:defRPr sz="945"/>
-            </a:lvl2pPr>
-            <a:lvl3pPr marL="617220" indent="0">
-              <a:buNone/>
-              <a:defRPr sz="810"/>
             </a:lvl3pPr>
-            <a:lvl4pPr marL="925830" indent="0">
-              <a:buNone/>
-              <a:defRPr sz="675"/>
+            <a:lvl4pPr marL="1234440" indent="0">
+              <a:buNone/>
+              <a:defRPr sz="900"/>
             </a:lvl4pPr>
-            <a:lvl5pPr marL="1234440" indent="0">
-              <a:buNone/>
-              <a:defRPr sz="675"/>
+            <a:lvl5pPr marL="1645920" indent="0">
+              <a:buNone/>
+              <a:defRPr sz="900"/>
             </a:lvl5pPr>
-            <a:lvl6pPr marL="1543050" indent="0">
-              <a:buNone/>
-              <a:defRPr sz="675"/>
+            <a:lvl6pPr marL="2057400" indent="0">
+              <a:buNone/>
+              <a:defRPr sz="900"/>
             </a:lvl6pPr>
-            <a:lvl7pPr marL="1851660" indent="0">
-              <a:buNone/>
-              <a:defRPr sz="675"/>
+            <a:lvl7pPr marL="2468880" indent="0">
+              <a:buNone/>
+              <a:defRPr sz="900"/>
             </a:lvl7pPr>
-            <a:lvl8pPr marL="2160270" indent="0">
-              <a:buNone/>
-              <a:defRPr sz="675"/>
+            <a:lvl8pPr marL="2880360" indent="0">
+              <a:buNone/>
+              <a:defRPr sz="900"/>
             </a:lvl8pPr>
-            <a:lvl9pPr marL="2468880" indent="0">
-              <a:buNone/>
-              <a:defRPr sz="675"/>
+            <a:lvl9pPr marL="3291840" indent="0">
+              <a:buNone/>
+              <a:defRPr sz="900"/>
             </a:lvl9pPr>
           </a:lstStyle>
           <a:p>
@@ -2660,7 +2659,7 @@
           <a:p>
             <a:fld id="{6BEE9317-30CC-7C49-B555-F232CBED8BD6}" type="datetimeFigureOut">
               <a:rPr lang="en-US" smtClean="0"/>
-              <a:t>5/16/17</a:t>
+              <a:t>5/17/17</a:t>
             </a:fld>
             <a:endParaRPr lang="en-US"/>
           </a:p>
@@ -2750,8 +2749,8 @@
         </p:nvSpPr>
         <p:spPr>
           <a:xfrm>
-            <a:off x="565785" y="267758"/>
-            <a:ext cx="7098030" cy="972080"/>
+            <a:off x="565785" y="389468"/>
+            <a:ext cx="7098030" cy="1413934"/>
           </a:xfrm>
           <a:prstGeom prst="rect">
             <a:avLst/>
@@ -2783,8 +2782,8 @@
         </p:nvSpPr>
         <p:spPr>
           <a:xfrm>
-            <a:off x="565785" y="1338792"/>
-            <a:ext cx="7098030" cy="3190981"/>
+            <a:off x="565785" y="1947333"/>
+            <a:ext cx="7098030" cy="4641427"/>
           </a:xfrm>
           <a:prstGeom prst="rect">
             <a:avLst/>
@@ -2845,8 +2844,8 @@
         </p:nvSpPr>
         <p:spPr>
           <a:xfrm>
-            <a:off x="565785" y="4661324"/>
-            <a:ext cx="1851660" cy="267758"/>
+            <a:off x="565785" y="6780108"/>
+            <a:ext cx="1851660" cy="389467"/>
           </a:xfrm>
           <a:prstGeom prst="rect">
             <a:avLst/>
@@ -2856,7 +2855,7 @@
           <a:bodyPr vert="horz" lIns="91440" tIns="45720" rIns="91440" bIns="45720" rtlCol="0" anchor="ctr"/>
           <a:lstStyle>
             <a:lvl1pPr algn="l">
-              <a:defRPr sz="810">
+              <a:defRPr sz="1080">
                 <a:solidFill>
                   <a:schemeClr val="tx1">
                     <a:tint val="75000"/>
@@ -2868,7 +2867,7 @@
           <a:p>
             <a:fld id="{6BEE9317-30CC-7C49-B555-F232CBED8BD6}" type="datetimeFigureOut">
               <a:rPr lang="en-US" smtClean="0"/>
-              <a:t>5/16/17</a:t>
+              <a:t>5/17/17</a:t>
             </a:fld>
             <a:endParaRPr lang="en-US"/>
           </a:p>
@@ -2886,8 +2885,8 @@
         </p:nvSpPr>
         <p:spPr>
           <a:xfrm>
-            <a:off x="2726055" y="4661324"/>
-            <a:ext cx="2777490" cy="267758"/>
+            <a:off x="2726055" y="6780108"/>
+            <a:ext cx="2777490" cy="389467"/>
           </a:xfrm>
           <a:prstGeom prst="rect">
             <a:avLst/>
@@ -2897,7 +2896,7 @@
           <a:bodyPr vert="horz" lIns="91440" tIns="45720" rIns="91440" bIns="45720" rtlCol="0" anchor="ctr"/>
           <a:lstStyle>
             <a:lvl1pPr algn="ctr">
-              <a:defRPr sz="810">
+              <a:defRPr sz="1080">
                 <a:solidFill>
                   <a:schemeClr val="tx1">
                     <a:tint val="75000"/>
@@ -2923,8 +2922,8 @@
         </p:nvSpPr>
         <p:spPr>
           <a:xfrm>
-            <a:off x="5812155" y="4661324"/>
-            <a:ext cx="1851660" cy="267758"/>
+            <a:off x="5812155" y="6780108"/>
+            <a:ext cx="1851660" cy="389467"/>
           </a:xfrm>
           <a:prstGeom prst="rect">
             <a:avLst/>
@@ -2934,7 +2933,7 @@
           <a:bodyPr vert="horz" lIns="91440" tIns="45720" rIns="91440" bIns="45720" rtlCol="0" anchor="ctr"/>
           <a:lstStyle>
             <a:lvl1pPr algn="r">
-              <a:defRPr sz="810">
+              <a:defRPr sz="1080">
                 <a:solidFill>
                   <a:schemeClr val="tx1">
                     <a:tint val="75000"/>
@@ -2955,27 +2954,27 @@
     </p:spTree>
     <p:extLst>
       <p:ext uri="{BB962C8B-B14F-4D97-AF65-F5344CB8AC3E}">
-        <p14:creationId xmlns:p14="http://schemas.microsoft.com/office/powerpoint/2010/main" val="633344616"/>
+        <p14:creationId xmlns:p14="http://schemas.microsoft.com/office/powerpoint/2010/main" val="349432288"/>
       </p:ext>
     </p:extLst>
   </p:cSld>
   <p:clrMap bg1="lt1" tx1="dk1" bg2="lt2" tx2="dk2" accent1="accent1" accent2="accent2" accent3="accent3" accent4="accent4" accent5="accent5" accent6="accent6" hlink="hlink" folHlink="folHlink"/>
   <p:sldLayoutIdLst>
-    <p:sldLayoutId id="2147483709" r:id="rId1"/>
-    <p:sldLayoutId id="2147483710" r:id="rId2"/>
-    <p:sldLayoutId id="2147483711" r:id="rId3"/>
-    <p:sldLayoutId id="2147483712" r:id="rId4"/>
-    <p:sldLayoutId id="2147483713" r:id="rId5"/>
-    <p:sldLayoutId id="2147483714" r:id="rId6"/>
-    <p:sldLayoutId id="2147483715" r:id="rId7"/>
-    <p:sldLayoutId id="2147483716" r:id="rId8"/>
-    <p:sldLayoutId id="2147483717" r:id="rId9"/>
-    <p:sldLayoutId id="2147483718" r:id="rId10"/>
-    <p:sldLayoutId id="2147483719" r:id="rId11"/>
+    <p:sldLayoutId id="2147483721" r:id="rId1"/>
+    <p:sldLayoutId id="2147483722" r:id="rId2"/>
+    <p:sldLayoutId id="2147483723" r:id="rId3"/>
+    <p:sldLayoutId id="2147483724" r:id="rId4"/>
+    <p:sldLayoutId id="2147483725" r:id="rId5"/>
+    <p:sldLayoutId id="2147483726" r:id="rId6"/>
+    <p:sldLayoutId id="2147483727" r:id="rId7"/>
+    <p:sldLayoutId id="2147483728" r:id="rId8"/>
+    <p:sldLayoutId id="2147483729" r:id="rId9"/>
+    <p:sldLayoutId id="2147483730" r:id="rId10"/>
+    <p:sldLayoutId id="2147483731" r:id="rId11"/>
   </p:sldLayoutIdLst>
   <p:txStyles>
     <p:titleStyle>
-      <a:lvl1pPr algn="l" defTabSz="617220" rtl="0" eaLnBrk="1" latinLnBrk="0" hangingPunct="1">
+      <a:lvl1pPr algn="l" defTabSz="822960" rtl="0" eaLnBrk="1" latinLnBrk="0" hangingPunct="1">
         <a:lnSpc>
           <a:spcPct val="90000"/>
         </a:lnSpc>
@@ -2983,7 +2982,7 @@
           <a:spcPct val="0"/>
         </a:spcBef>
         <a:buNone/>
-        <a:defRPr sz="2970" kern="1200">
+        <a:defRPr sz="3960" kern="1200">
           <a:solidFill>
             <a:schemeClr val="tx1"/>
           </a:solidFill>
@@ -2994,16 +2993,16 @@
       </a:lvl1pPr>
     </p:titleStyle>
     <p:bodyStyle>
-      <a:lvl1pPr marL="154305" indent="-154305" algn="l" defTabSz="617220" rtl="0" eaLnBrk="1" latinLnBrk="0" hangingPunct="1">
+      <a:lvl1pPr marL="205740" indent="-205740" algn="l" defTabSz="822960" rtl="0" eaLnBrk="1" latinLnBrk="0" hangingPunct="1">
         <a:lnSpc>
           <a:spcPct val="90000"/>
         </a:lnSpc>
         <a:spcBef>
-          <a:spcPts val="675"/>
+          <a:spcPts val="900"/>
         </a:spcBef>
         <a:buFont typeface="Arial" panose="020B0604020202020204" pitchFamily="34" charset="0"/>
         <a:buChar char="•"/>
-        <a:defRPr sz="1890" kern="1200">
+        <a:defRPr sz="2520" kern="1200">
           <a:solidFill>
             <a:schemeClr val="tx1"/>
           </a:solidFill>
@@ -3012,12 +3011,48 @@
           <a:cs typeface="+mn-cs"/>
         </a:defRPr>
       </a:lvl1pPr>
-      <a:lvl2pPr marL="462915" indent="-154305" algn="l" defTabSz="617220" rtl="0" eaLnBrk="1" latinLnBrk="0" hangingPunct="1">
+      <a:lvl2pPr marL="617220" indent="-205740" algn="l" defTabSz="822960" rtl="0" eaLnBrk="1" latinLnBrk="0" hangingPunct="1">
         <a:lnSpc>
           <a:spcPct val="90000"/>
         </a:lnSpc>
         <a:spcBef>
-          <a:spcPts val="338"/>
+          <a:spcPts val="450"/>
+        </a:spcBef>
+        <a:buFont typeface="Arial" panose="020B0604020202020204" pitchFamily="34" charset="0"/>
+        <a:buChar char="•"/>
+        <a:defRPr sz="2160" kern="1200">
+          <a:solidFill>
+            <a:schemeClr val="tx1"/>
+          </a:solidFill>
+          <a:latin typeface="+mn-lt"/>
+          <a:ea typeface="+mn-ea"/>
+          <a:cs typeface="+mn-cs"/>
+        </a:defRPr>
+      </a:lvl2pPr>
+      <a:lvl3pPr marL="1028700" indent="-205740" algn="l" defTabSz="822960" rtl="0" eaLnBrk="1" latinLnBrk="0" hangingPunct="1">
+        <a:lnSpc>
+          <a:spcPct val="90000"/>
+        </a:lnSpc>
+        <a:spcBef>
+          <a:spcPts val="450"/>
+        </a:spcBef>
+        <a:buFont typeface="Arial" panose="020B0604020202020204" pitchFamily="34" charset="0"/>
+        <a:buChar char="•"/>
+        <a:defRPr sz="1800" kern="1200">
+          <a:solidFill>
+            <a:schemeClr val="tx1"/>
+          </a:solidFill>
+          <a:latin typeface="+mn-lt"/>
+          <a:ea typeface="+mn-ea"/>
+          <a:cs typeface="+mn-cs"/>
+        </a:defRPr>
+      </a:lvl3pPr>
+      <a:lvl4pPr marL="1440180" indent="-205740" algn="l" defTabSz="822960" rtl="0" eaLnBrk="1" latinLnBrk="0" hangingPunct="1">
+        <a:lnSpc>
+          <a:spcPct val="90000"/>
+        </a:lnSpc>
+        <a:spcBef>
+          <a:spcPts val="450"/>
         </a:spcBef>
         <a:buFont typeface="Arial" panose="020B0604020202020204" pitchFamily="34" charset="0"/>
         <a:buChar char="•"/>
@@ -3029,53 +3064,17 @@
           <a:ea typeface="+mn-ea"/>
           <a:cs typeface="+mn-cs"/>
         </a:defRPr>
-      </a:lvl2pPr>
-      <a:lvl3pPr marL="771525" indent="-154305" algn="l" defTabSz="617220" rtl="0" eaLnBrk="1" latinLnBrk="0" hangingPunct="1">
+      </a:lvl4pPr>
+      <a:lvl5pPr marL="1851660" indent="-205740" algn="l" defTabSz="822960" rtl="0" eaLnBrk="1" latinLnBrk="0" hangingPunct="1">
         <a:lnSpc>
           <a:spcPct val="90000"/>
         </a:lnSpc>
         <a:spcBef>
-          <a:spcPts val="338"/>
+          <a:spcPts val="450"/>
         </a:spcBef>
         <a:buFont typeface="Arial" panose="020B0604020202020204" pitchFamily="34" charset="0"/>
         <a:buChar char="•"/>
-        <a:defRPr sz="1350" kern="1200">
-          <a:solidFill>
-            <a:schemeClr val="tx1"/>
-          </a:solidFill>
-          <a:latin typeface="+mn-lt"/>
-          <a:ea typeface="+mn-ea"/>
-          <a:cs typeface="+mn-cs"/>
-        </a:defRPr>
-      </a:lvl3pPr>
-      <a:lvl4pPr marL="1080135" indent="-154305" algn="l" defTabSz="617220" rtl="0" eaLnBrk="1" latinLnBrk="0" hangingPunct="1">
-        <a:lnSpc>
-          <a:spcPct val="90000"/>
-        </a:lnSpc>
-        <a:spcBef>
-          <a:spcPts val="338"/>
-        </a:spcBef>
-        <a:buFont typeface="Arial" panose="020B0604020202020204" pitchFamily="34" charset="0"/>
-        <a:buChar char="•"/>
-        <a:defRPr sz="1215" kern="1200">
-          <a:solidFill>
-            <a:schemeClr val="tx1"/>
-          </a:solidFill>
-          <a:latin typeface="+mn-lt"/>
-          <a:ea typeface="+mn-ea"/>
-          <a:cs typeface="+mn-cs"/>
-        </a:defRPr>
-      </a:lvl4pPr>
-      <a:lvl5pPr marL="1388745" indent="-154305" algn="l" defTabSz="617220" rtl="0" eaLnBrk="1" latinLnBrk="0" hangingPunct="1">
-        <a:lnSpc>
-          <a:spcPct val="90000"/>
-        </a:lnSpc>
-        <a:spcBef>
-          <a:spcPts val="338"/>
-        </a:spcBef>
-        <a:buFont typeface="Arial" panose="020B0604020202020204" pitchFamily="34" charset="0"/>
-        <a:buChar char="•"/>
-        <a:defRPr sz="1215" kern="1200">
+        <a:defRPr sz="1620" kern="1200">
           <a:solidFill>
             <a:schemeClr val="tx1"/>
           </a:solidFill>
@@ -3084,16 +3083,16 @@
           <a:cs typeface="+mn-cs"/>
         </a:defRPr>
       </a:lvl5pPr>
-      <a:lvl6pPr marL="1697355" indent="-154305" algn="l" defTabSz="617220" rtl="0" eaLnBrk="1" latinLnBrk="0" hangingPunct="1">
+      <a:lvl6pPr marL="2263140" indent="-205740" algn="l" defTabSz="822960" rtl="0" eaLnBrk="1" latinLnBrk="0" hangingPunct="1">
         <a:lnSpc>
           <a:spcPct val="90000"/>
         </a:lnSpc>
         <a:spcBef>
-          <a:spcPts val="338"/>
+          <a:spcPts val="450"/>
         </a:spcBef>
         <a:buFont typeface="Arial" panose="020B0604020202020204" pitchFamily="34" charset="0"/>
         <a:buChar char="•"/>
-        <a:defRPr sz="1215" kern="1200">
+        <a:defRPr sz="1620" kern="1200">
           <a:solidFill>
             <a:schemeClr val="tx1"/>
           </a:solidFill>
@@ -3102,16 +3101,16 @@
           <a:cs typeface="+mn-cs"/>
         </a:defRPr>
       </a:lvl6pPr>
-      <a:lvl7pPr marL="2005965" indent="-154305" algn="l" defTabSz="617220" rtl="0" eaLnBrk="1" latinLnBrk="0" hangingPunct="1">
+      <a:lvl7pPr marL="2674620" indent="-205740" algn="l" defTabSz="822960" rtl="0" eaLnBrk="1" latinLnBrk="0" hangingPunct="1">
         <a:lnSpc>
           <a:spcPct val="90000"/>
         </a:lnSpc>
         <a:spcBef>
-          <a:spcPts val="338"/>
+          <a:spcPts val="450"/>
         </a:spcBef>
         <a:buFont typeface="Arial" panose="020B0604020202020204" pitchFamily="34" charset="0"/>
         <a:buChar char="•"/>
-        <a:defRPr sz="1215" kern="1200">
+        <a:defRPr sz="1620" kern="1200">
           <a:solidFill>
             <a:schemeClr val="tx1"/>
           </a:solidFill>
@@ -3120,16 +3119,16 @@
           <a:cs typeface="+mn-cs"/>
         </a:defRPr>
       </a:lvl7pPr>
-      <a:lvl8pPr marL="2314575" indent="-154305" algn="l" defTabSz="617220" rtl="0" eaLnBrk="1" latinLnBrk="0" hangingPunct="1">
+      <a:lvl8pPr marL="3086100" indent="-205740" algn="l" defTabSz="822960" rtl="0" eaLnBrk="1" latinLnBrk="0" hangingPunct="1">
         <a:lnSpc>
           <a:spcPct val="90000"/>
         </a:lnSpc>
         <a:spcBef>
-          <a:spcPts val="338"/>
+          <a:spcPts val="450"/>
         </a:spcBef>
         <a:buFont typeface="Arial" panose="020B0604020202020204" pitchFamily="34" charset="0"/>
         <a:buChar char="•"/>
-        <a:defRPr sz="1215" kern="1200">
+        <a:defRPr sz="1620" kern="1200">
           <a:solidFill>
             <a:schemeClr val="tx1"/>
           </a:solidFill>
@@ -3138,16 +3137,16 @@
           <a:cs typeface="+mn-cs"/>
         </a:defRPr>
       </a:lvl8pPr>
-      <a:lvl9pPr marL="2623185" indent="-154305" algn="l" defTabSz="617220" rtl="0" eaLnBrk="1" latinLnBrk="0" hangingPunct="1">
+      <a:lvl9pPr marL="3497580" indent="-205740" algn="l" defTabSz="822960" rtl="0" eaLnBrk="1" latinLnBrk="0" hangingPunct="1">
         <a:lnSpc>
           <a:spcPct val="90000"/>
         </a:lnSpc>
         <a:spcBef>
-          <a:spcPts val="338"/>
+          <a:spcPts val="450"/>
         </a:spcBef>
         <a:buFont typeface="Arial" panose="020B0604020202020204" pitchFamily="34" charset="0"/>
         <a:buChar char="•"/>
-        <a:defRPr sz="1215" kern="1200">
+        <a:defRPr sz="1620" kern="1200">
           <a:solidFill>
             <a:schemeClr val="tx1"/>
           </a:solidFill>
@@ -3161,8 +3160,8 @@
       <a:defPPr>
         <a:defRPr lang="en-US"/>
       </a:defPPr>
-      <a:lvl1pPr marL="0" algn="l" defTabSz="617220" rtl="0" eaLnBrk="1" latinLnBrk="0" hangingPunct="1">
-        <a:defRPr sz="1215" kern="1200">
+      <a:lvl1pPr marL="0" algn="l" defTabSz="822960" rtl="0" eaLnBrk="1" latinLnBrk="0" hangingPunct="1">
+        <a:defRPr sz="1620" kern="1200">
           <a:solidFill>
             <a:schemeClr val="tx1"/>
           </a:solidFill>
@@ -3171,8 +3170,8 @@
           <a:cs typeface="+mn-cs"/>
         </a:defRPr>
       </a:lvl1pPr>
-      <a:lvl2pPr marL="308610" algn="l" defTabSz="617220" rtl="0" eaLnBrk="1" latinLnBrk="0" hangingPunct="1">
-        <a:defRPr sz="1215" kern="1200">
+      <a:lvl2pPr marL="411480" algn="l" defTabSz="822960" rtl="0" eaLnBrk="1" latinLnBrk="0" hangingPunct="1">
+        <a:defRPr sz="1620" kern="1200">
           <a:solidFill>
             <a:schemeClr val="tx1"/>
           </a:solidFill>
@@ -3181,8 +3180,8 @@
           <a:cs typeface="+mn-cs"/>
         </a:defRPr>
       </a:lvl2pPr>
-      <a:lvl3pPr marL="617220" algn="l" defTabSz="617220" rtl="0" eaLnBrk="1" latinLnBrk="0" hangingPunct="1">
-        <a:defRPr sz="1215" kern="1200">
+      <a:lvl3pPr marL="822960" algn="l" defTabSz="822960" rtl="0" eaLnBrk="1" latinLnBrk="0" hangingPunct="1">
+        <a:defRPr sz="1620" kern="1200">
           <a:solidFill>
             <a:schemeClr val="tx1"/>
           </a:solidFill>
@@ -3191,8 +3190,8 @@
           <a:cs typeface="+mn-cs"/>
         </a:defRPr>
       </a:lvl3pPr>
-      <a:lvl4pPr marL="925830" algn="l" defTabSz="617220" rtl="0" eaLnBrk="1" latinLnBrk="0" hangingPunct="1">
-        <a:defRPr sz="1215" kern="1200">
+      <a:lvl4pPr marL="1234440" algn="l" defTabSz="822960" rtl="0" eaLnBrk="1" latinLnBrk="0" hangingPunct="1">
+        <a:defRPr sz="1620" kern="1200">
           <a:solidFill>
             <a:schemeClr val="tx1"/>
           </a:solidFill>
@@ -3201,8 +3200,8 @@
           <a:cs typeface="+mn-cs"/>
         </a:defRPr>
       </a:lvl4pPr>
-      <a:lvl5pPr marL="1234440" algn="l" defTabSz="617220" rtl="0" eaLnBrk="1" latinLnBrk="0" hangingPunct="1">
-        <a:defRPr sz="1215" kern="1200">
+      <a:lvl5pPr marL="1645920" algn="l" defTabSz="822960" rtl="0" eaLnBrk="1" latinLnBrk="0" hangingPunct="1">
+        <a:defRPr sz="1620" kern="1200">
           <a:solidFill>
             <a:schemeClr val="tx1"/>
           </a:solidFill>
@@ -3211,8 +3210,8 @@
           <a:cs typeface="+mn-cs"/>
         </a:defRPr>
       </a:lvl5pPr>
-      <a:lvl6pPr marL="1543050" algn="l" defTabSz="617220" rtl="0" eaLnBrk="1" latinLnBrk="0" hangingPunct="1">
-        <a:defRPr sz="1215" kern="1200">
+      <a:lvl6pPr marL="2057400" algn="l" defTabSz="822960" rtl="0" eaLnBrk="1" latinLnBrk="0" hangingPunct="1">
+        <a:defRPr sz="1620" kern="1200">
           <a:solidFill>
             <a:schemeClr val="tx1"/>
           </a:solidFill>
@@ -3221,8 +3220,8 @@
           <a:cs typeface="+mn-cs"/>
         </a:defRPr>
       </a:lvl6pPr>
-      <a:lvl7pPr marL="1851660" algn="l" defTabSz="617220" rtl="0" eaLnBrk="1" latinLnBrk="0" hangingPunct="1">
-        <a:defRPr sz="1215" kern="1200">
+      <a:lvl7pPr marL="2468880" algn="l" defTabSz="822960" rtl="0" eaLnBrk="1" latinLnBrk="0" hangingPunct="1">
+        <a:defRPr sz="1620" kern="1200">
           <a:solidFill>
             <a:schemeClr val="tx1"/>
           </a:solidFill>
@@ -3231,8 +3230,8 @@
           <a:cs typeface="+mn-cs"/>
         </a:defRPr>
       </a:lvl7pPr>
-      <a:lvl8pPr marL="2160270" algn="l" defTabSz="617220" rtl="0" eaLnBrk="1" latinLnBrk="0" hangingPunct="1">
-        <a:defRPr sz="1215" kern="1200">
+      <a:lvl8pPr marL="2880360" algn="l" defTabSz="822960" rtl="0" eaLnBrk="1" latinLnBrk="0" hangingPunct="1">
+        <a:defRPr sz="1620" kern="1200">
           <a:solidFill>
             <a:schemeClr val="tx1"/>
           </a:solidFill>
@@ -3241,8 +3240,8 @@
           <a:cs typeface="+mn-cs"/>
         </a:defRPr>
       </a:lvl8pPr>
-      <a:lvl9pPr marL="2468880" algn="l" defTabSz="617220" rtl="0" eaLnBrk="1" latinLnBrk="0" hangingPunct="1">
-        <a:defRPr sz="1215" kern="1200">
+      <a:lvl9pPr marL="3291840" algn="l" defTabSz="822960" rtl="0" eaLnBrk="1" latinLnBrk="0" hangingPunct="1">
+        <a:defRPr sz="1620" kern="1200">
           <a:solidFill>
             <a:schemeClr val="tx1"/>
           </a:solidFill>
@@ -3273,6 +3272,36 @@
           <a:chExt cx="0" cy="0"/>
         </a:xfrm>
       </p:grpSpPr>
+      <p:pic>
+        <p:nvPicPr>
+          <p:cNvPr id="6" name="Picture 5"/>
+          <p:cNvPicPr>
+            <a:picLocks noChangeAspect="1"/>
+          </p:cNvPicPr>
+          <p:nvPr/>
+        </p:nvPicPr>
+        <p:blipFill>
+          <a:blip r:embed="rId2">
+            <a:extLst>
+              <a:ext uri="{28A0092B-C50C-407E-A947-70E740481C1C}">
+                <a14:useLocalDpi xmlns:a14="http://schemas.microsoft.com/office/drawing/2010/main" val="0"/>
+              </a:ext>
+            </a:extLst>
+          </a:blip>
+          <a:stretch>
+            <a:fillRect/>
+          </a:stretch>
+        </p:blipFill>
+        <p:spPr>
+          <a:xfrm>
+            <a:off x="319377" y="64380"/>
+            <a:ext cx="7590845" cy="6547104"/>
+          </a:xfrm>
+          <a:prstGeom prst="rect">
+            <a:avLst/>
+          </a:prstGeom>
+        </p:spPr>
+      </p:pic>
       <mc:AlternateContent xmlns:mc="http://schemas.openxmlformats.org/markup-compatibility/2006" xmlns:a14="http://schemas.microsoft.com/office/drawing/2010/main">
         <mc:Choice Requires="a14">
           <p:sp>
@@ -3283,7 +3312,321 @@
             </p:nvSpPr>
             <p:spPr>
               <a:xfrm>
-                <a:off x="22725465" y="8956528"/>
+                <a:off x="22725465" y="11242528"/>
+                <a:ext cx="3174101" cy="1181542"/>
+              </a:xfrm>
+              <a:prstGeom prst="rect">
+                <a:avLst/>
+              </a:prstGeom>
+              <a:noFill/>
+            </p:spPr>
+            <p:txBody>
+              <a:bodyPr wrap="square" rtlCol="0">
+                <a:spAutoFit/>
+              </a:bodyPr>
+              <a:lstStyle/>
+              <a:p>
+                <a:r>
+                  <a:rPr lang="en-US" sz="3500" i="1" dirty="0">
+                    <a:latin typeface="Palatino" charset="0"/>
+                    <a:ea typeface="Palatino" charset="0"/>
+                    <a:cs typeface="Palatino" charset="0"/>
+                  </a:rPr>
+                  <a:t>Maintain</a:t>
+                </a:r>
+                <a:r>
+                  <a:rPr lang="en-US" sz="3500" b="1" i="1" dirty="0">
+                    <a:latin typeface="Palatino" charset="0"/>
+                    <a:ea typeface="Palatino" charset="0"/>
+                    <a:cs typeface="Palatino" charset="0"/>
+                  </a:rPr>
+                  <a:t> </a:t>
+                </a:r>
+                <a:r>
+                  <a:rPr lang="en-US" sz="3500" dirty="0">
+                    <a:latin typeface="Palatino" charset="0"/>
+                    <a:ea typeface="Palatino" charset="0"/>
+                    <a:cs typeface="Palatino" charset="0"/>
+                  </a:rPr>
+                  <a:t>belief </a:t>
+                </a:r>
+              </a:p>
+              <a:p>
+                <a:pPr/>
+                <a14:m>
+                  <m:oMathPara xmlns:m="http://schemas.openxmlformats.org/officeDocument/2006/math">
+                    <m:oMathParaPr>
+                      <m:jc m:val="centerGroup"/>
+                    </m:oMathParaPr>
+                    <m:oMath xmlns:m="http://schemas.openxmlformats.org/officeDocument/2006/math">
+                      <m:r>
+                        <a:rPr lang="en-US" sz="3500" i="1">
+                          <a:latin typeface="Cambria Math" charset="0"/>
+                          <a:ea typeface="Palatino" charset="0"/>
+                          <a:cs typeface="Palatino" charset="0"/>
+                        </a:rPr>
+                        <m:t>𝑏</m:t>
+                      </m:r>
+                      <m:r>
+                        <a:rPr lang="en-US" sz="3500" i="1">
+                          <a:latin typeface="Cambria Math" charset="0"/>
+                          <a:ea typeface="Palatino" charset="0"/>
+                          <a:cs typeface="Palatino" charset="0"/>
+                        </a:rPr>
+                        <m:t>(</m:t>
+                      </m:r>
+                      <m:sSub>
+                        <m:sSubPr>
+                          <m:ctrlPr>
+                            <a:rPr lang="en-US" sz="3500" i="1">
+                              <a:latin typeface="Cambria Math" charset="0"/>
+                              <a:ea typeface="Palatino" charset="0"/>
+                              <a:cs typeface="Palatino" charset="0"/>
+                            </a:rPr>
+                          </m:ctrlPr>
+                        </m:sSubPr>
+                        <m:e>
+                          <m:r>
+                            <a:rPr lang="en-US" sz="3500" i="1">
+                              <a:latin typeface="Cambria Math" charset="0"/>
+                              <a:ea typeface="Palatino" charset="0"/>
+                              <a:cs typeface="Palatino" charset="0"/>
+                            </a:rPr>
+                            <m:t>𝜃</m:t>
+                          </m:r>
+                        </m:e>
+                        <m:sub>
+                          <m:r>
+                            <a:rPr lang="en-US" sz="3500" i="1">
+                              <a:latin typeface="Cambria Math" charset="0"/>
+                              <a:ea typeface="Palatino" charset="0"/>
+                              <a:cs typeface="Palatino" charset="0"/>
+                            </a:rPr>
+                            <m:t>𝐻</m:t>
+                          </m:r>
+                        </m:sub>
+                      </m:sSub>
+                      <m:r>
+                        <a:rPr lang="en-US" sz="3500" i="1">
+                          <a:latin typeface="Cambria Math" charset="0"/>
+                          <a:ea typeface="Palatino" charset="0"/>
+                          <a:cs typeface="Palatino" charset="0"/>
+                        </a:rPr>
+                        <m:t>=</m:t>
+                      </m:r>
+                      <m:r>
+                        <m:rPr>
+                          <m:nor/>
+                        </m:rPr>
+                        <a:rPr lang="en-US" sz="3500">
+                          <a:latin typeface="Palatino" charset="0"/>
+                          <a:ea typeface="Palatino" charset="0"/>
+                          <a:cs typeface="Palatino" charset="0"/>
+                        </a:rPr>
+                        <m:t>merge</m:t>
+                      </m:r>
+                      <m:r>
+                        <a:rPr lang="en-US" sz="3500" i="1">
+                          <a:latin typeface="Cambria Math" charset="0"/>
+                          <a:ea typeface="Palatino" charset="0"/>
+                          <a:cs typeface="Palatino" charset="0"/>
+                        </a:rPr>
+                        <m:t>)</m:t>
+                      </m:r>
+                    </m:oMath>
+                  </m:oMathPara>
+                </a14:m>
+                <a:endParaRPr lang="en-US" sz="3500" dirty="0">
+                  <a:latin typeface="Palatino" charset="0"/>
+                  <a:ea typeface="Palatino" charset="0"/>
+                  <a:cs typeface="Palatino" charset="0"/>
+                </a:endParaRPr>
+              </a:p>
+            </p:txBody>
+          </p:sp>
+        </mc:Choice>
+        <mc:Fallback xmlns="">
+          <p:sp>
+            <p:nvSpPr>
+              <p:cNvPr id="5" name="TextBox 4"/>
+              <p:cNvSpPr txBox="1">
+                <a:spLocks noRot="1" noChangeAspect="1" noMove="1" noResize="1" noEditPoints="1" noAdjustHandles="1" noChangeArrowheads="1" noChangeShapeType="1" noTextEdit="1"/>
+              </p:cNvSpPr>
+              <p:nvPr/>
+            </p:nvSpPr>
+            <p:spPr>
+              <a:xfrm>
+                <a:off x="19826292" y="6799462"/>
+                <a:ext cx="2539281" cy="963597"/>
+              </a:xfrm>
+              <a:prstGeom prst="rect">
+                <a:avLst/>
+              </a:prstGeom>
+              <a:blipFill rotWithShape="0">
+                <a:blip r:embed="rId3"/>
+                <a:stretch>
+                  <a:fillRect l="-4796" t="-6962" r="-3118"/>
+                </a:stretch>
+              </a:blipFill>
+            </p:spPr>
+            <p:txBody>
+              <a:bodyPr/>
+              <a:lstStyle/>
+              <a:p>
+                <a:r>
+                  <a:rPr lang="en-US">
+                    <a:noFill/>
+                  </a:rPr>
+                  <a:t> </a:t>
+                </a:r>
+              </a:p>
+            </p:txBody>
+          </p:sp>
+        </mc:Fallback>
+      </mc:AlternateContent>
+      <p:sp>
+        <p:nvSpPr>
+          <p:cNvPr id="10" name="TextBox 9"/>
+          <p:cNvSpPr txBox="1"/>
+          <p:nvPr/>
+        </p:nvSpPr>
+        <p:spPr>
+          <a:xfrm>
+            <a:off x="1641816" y="6614502"/>
+            <a:ext cx="622139" cy="400110"/>
+          </a:xfrm>
+          <a:prstGeom prst="rect">
+            <a:avLst/>
+          </a:prstGeom>
+          <a:noFill/>
+        </p:spPr>
+        <p:txBody>
+          <a:bodyPr wrap="square" rtlCol="0">
+            <a:spAutoFit/>
+          </a:bodyPr>
+          <a:lstStyle/>
+          <a:p>
+            <a:pPr algn="ctr"/>
+            <a:r>
+              <a:rPr lang="en-US" sz="2000" dirty="0">
+                <a:latin typeface="Palatino" charset="0"/>
+                <a:ea typeface="Palatino" charset="0"/>
+                <a:cs typeface="Palatino" charset="0"/>
+              </a:rPr>
+              <a:t>(a)</a:t>
+            </a:r>
+          </a:p>
+        </p:txBody>
+      </p:sp>
+      <p:sp>
+        <p:nvSpPr>
+          <p:cNvPr id="11" name="TextBox 10"/>
+          <p:cNvSpPr txBox="1"/>
+          <p:nvPr/>
+        </p:nvSpPr>
+        <p:spPr>
+          <a:xfrm>
+            <a:off x="4169470" y="6614502"/>
+            <a:ext cx="622139" cy="400110"/>
+          </a:xfrm>
+          <a:prstGeom prst="rect">
+            <a:avLst/>
+          </a:prstGeom>
+          <a:noFill/>
+        </p:spPr>
+        <p:txBody>
+          <a:bodyPr wrap="square" rtlCol="0">
+            <a:spAutoFit/>
+          </a:bodyPr>
+          <a:lstStyle/>
+          <a:p>
+            <a:pPr algn="ctr"/>
+            <a:r>
+              <a:rPr lang="en-US" sz="2000" dirty="0">
+                <a:latin typeface="Palatino" charset="0"/>
+                <a:ea typeface="Palatino" charset="0"/>
+                <a:cs typeface="Palatino" charset="0"/>
+              </a:rPr>
+              <a:t>(b)</a:t>
+            </a:r>
+          </a:p>
+        </p:txBody>
+      </p:sp>
+      <p:sp>
+        <p:nvSpPr>
+          <p:cNvPr id="12" name="TextBox 11"/>
+          <p:cNvSpPr txBox="1"/>
+          <p:nvPr/>
+        </p:nvSpPr>
+        <p:spPr>
+          <a:xfrm>
+            <a:off x="6697123" y="6614502"/>
+            <a:ext cx="622139" cy="400110"/>
+          </a:xfrm>
+          <a:prstGeom prst="rect">
+            <a:avLst/>
+          </a:prstGeom>
+          <a:noFill/>
+        </p:spPr>
+        <p:txBody>
+          <a:bodyPr wrap="square" rtlCol="0">
+            <a:spAutoFit/>
+          </a:bodyPr>
+          <a:lstStyle/>
+          <a:p>
+            <a:pPr algn="ctr"/>
+            <a:r>
+              <a:rPr lang="en-US" sz="2000" dirty="0">
+                <a:latin typeface="Palatino" charset="0"/>
+                <a:ea typeface="Palatino" charset="0"/>
+                <a:cs typeface="Palatino" charset="0"/>
+              </a:rPr>
+              <a:t>(c)</a:t>
+            </a:r>
+          </a:p>
+        </p:txBody>
+      </p:sp>
+    </p:spTree>
+    <p:extLst>
+      <p:ext uri="{BB962C8B-B14F-4D97-AF65-F5344CB8AC3E}">
+        <p14:creationId xmlns:p14="http://schemas.microsoft.com/office/powerpoint/2010/main" val="11426030"/>
+      </p:ext>
+    </p:extLst>
+  </p:cSld>
+  <p:clrMapOvr>
+    <a:masterClrMapping/>
+  </p:clrMapOvr>
+</p:sld>
+</file>
+
+<file path=ppt/slides/slide2.xml><?xml version="1.0" encoding="utf-8"?>
+<p:sld xmlns:a="http://schemas.openxmlformats.org/drawingml/2006/main" xmlns:r="http://schemas.openxmlformats.org/officeDocument/2006/relationships" xmlns:p="http://schemas.openxmlformats.org/presentationml/2006/main">
+  <p:cSld>
+    <p:spTree>
+      <p:nvGrpSpPr>
+        <p:cNvPr id="1" name=""/>
+        <p:cNvGrpSpPr/>
+        <p:nvPr/>
+      </p:nvGrpSpPr>
+      <p:grpSpPr>
+        <a:xfrm>
+          <a:off x="0" y="0"/>
+          <a:ext cx="0" cy="0"/>
+          <a:chOff x="0" y="0"/>
+          <a:chExt cx="0" cy="0"/>
+        </a:xfrm>
+      </p:grpSpPr>
+      <mc:AlternateContent xmlns:mc="http://schemas.openxmlformats.org/markup-compatibility/2006" xmlns:a14="http://schemas.microsoft.com/office/drawing/2010/main">
+        <mc:Choice Requires="a14">
+          <p:sp>
+            <p:nvSpPr>
+              <p:cNvPr id="5" name="TextBox 4"/>
+              <p:cNvSpPr txBox="1"/>
+              <p:nvPr/>
+            </p:nvSpPr>
+            <p:spPr>
+              <a:xfrm>
+                <a:off x="22725465" y="11242528"/>
                 <a:ext cx="3174101" cy="1181542"/>
               </a:xfrm>
               <a:prstGeom prst="rect">
@@ -3463,7 +3806,7 @@
         </p:nvSpPr>
         <p:spPr>
           <a:xfrm>
-            <a:off x="1067990" y="4400504"/>
+            <a:off x="1067991" y="5543504"/>
             <a:ext cx="622139" cy="400110"/>
           </a:xfrm>
           <a:prstGeom prst="rect">
@@ -3486,11 +3829,6 @@
               </a:rPr>
               <a:t>(a)</a:t>
             </a:r>
-            <a:endParaRPr lang="en-US" sz="2000" dirty="0">
-              <a:latin typeface="Palatino" charset="0"/>
-              <a:ea typeface="Palatino" charset="0"/>
-              <a:cs typeface="Palatino" charset="0"/>
-            </a:endParaRPr>
           </a:p>
         </p:txBody>
       </p:sp>
@@ -3502,7 +3840,7 @@
         </p:nvSpPr>
         <p:spPr>
           <a:xfrm>
-            <a:off x="3803730" y="4400504"/>
+            <a:off x="3803731" y="5543504"/>
             <a:ext cx="622139" cy="400110"/>
           </a:xfrm>
           <a:prstGeom prst="rect">
@@ -3525,11 +3863,6 @@
               </a:rPr>
               <a:t>(b)</a:t>
             </a:r>
-            <a:endParaRPr lang="en-US" sz="2000" dirty="0">
-              <a:latin typeface="Palatino" charset="0"/>
-              <a:ea typeface="Palatino" charset="0"/>
-              <a:cs typeface="Palatino" charset="0"/>
-            </a:endParaRPr>
           </a:p>
         </p:txBody>
       </p:sp>
@@ -3541,7 +3874,7 @@
         </p:nvSpPr>
         <p:spPr>
           <a:xfrm>
-            <a:off x="6539470" y="4418194"/>
+            <a:off x="6539471" y="5561194"/>
             <a:ext cx="622139" cy="400110"/>
           </a:xfrm>
           <a:prstGeom prst="rect">
@@ -3564,11 +3897,6 @@
               </a:rPr>
               <a:t>(c)</a:t>
             </a:r>
-            <a:endParaRPr lang="en-US" sz="2000" dirty="0">
-              <a:latin typeface="Palatino" charset="0"/>
-              <a:ea typeface="Palatino" charset="0"/>
-              <a:cs typeface="Palatino" charset="0"/>
-            </a:endParaRPr>
           </a:p>
         </p:txBody>
       </p:sp>
@@ -3594,7 +3922,7 @@
         </p:blipFill>
         <p:spPr>
           <a:xfrm>
-            <a:off x="0" y="152400"/>
+            <a:off x="0" y="1295400"/>
             <a:ext cx="8229600" cy="4114800"/>
           </a:xfrm>
           <a:prstGeom prst="rect">
@@ -3605,7 +3933,7 @@
     </p:spTree>
     <p:extLst>
       <p:ext uri="{BB962C8B-B14F-4D97-AF65-F5344CB8AC3E}">
-        <p14:creationId xmlns:p14="http://schemas.microsoft.com/office/powerpoint/2010/main" val="11426030"/>
+        <p14:creationId xmlns:p14="http://schemas.microsoft.com/office/powerpoint/2010/main" val="1688173518"/>
       </p:ext>
     </p:extLst>
   </p:cSld>
@@ -3615,7 +3943,7 @@
 </p:sld>
 </file>
 
-<file path=ppt/slides/slide2.xml><?xml version="1.0" encoding="utf-8"?>
+<file path=ppt/slides/slide3.xml><?xml version="1.0" encoding="utf-8"?>
 <p:sld xmlns:a="http://schemas.openxmlformats.org/drawingml/2006/main" xmlns:r="http://schemas.openxmlformats.org/officeDocument/2006/relationships" xmlns:p="http://schemas.openxmlformats.org/presentationml/2006/main">
   <p:cSld>
     <p:spTree>
@@ -3642,7 +3970,7 @@
             </p:nvSpPr>
             <p:spPr>
               <a:xfrm>
-                <a:off x="22725465" y="8956528"/>
+                <a:off x="22725465" y="11242528"/>
                 <a:ext cx="3174101" cy="1181542"/>
               </a:xfrm>
               <a:prstGeom prst="rect">
@@ -3836,7 +4164,7 @@
         </p:blipFill>
         <p:spPr>
           <a:xfrm>
-            <a:off x="0" y="139256"/>
+            <a:off x="0" y="1282256"/>
             <a:ext cx="8229600" cy="4114800"/>
           </a:xfrm>
           <a:prstGeom prst="rect">
@@ -3852,7 +4180,7 @@
         </p:nvSpPr>
         <p:spPr>
           <a:xfrm>
-            <a:off x="868295" y="4400504"/>
+            <a:off x="868296" y="5543504"/>
             <a:ext cx="622139" cy="400110"/>
           </a:xfrm>
           <a:prstGeom prst="rect">
@@ -3875,11 +4203,6 @@
               </a:rPr>
               <a:t>(a)</a:t>
             </a:r>
-            <a:endParaRPr lang="en-US" sz="2000" dirty="0">
-              <a:latin typeface="Palatino" charset="0"/>
-              <a:ea typeface="Palatino" charset="0"/>
-              <a:cs typeface="Palatino" charset="0"/>
-            </a:endParaRPr>
           </a:p>
         </p:txBody>
       </p:sp>
@@ -3891,7 +4214,7 @@
         </p:nvSpPr>
         <p:spPr>
           <a:xfrm>
-            <a:off x="2886747" y="4400504"/>
+            <a:off x="2886748" y="5543504"/>
             <a:ext cx="622139" cy="400110"/>
           </a:xfrm>
           <a:prstGeom prst="rect">
@@ -3914,11 +4237,6 @@
               </a:rPr>
               <a:t>(b)</a:t>
             </a:r>
-            <a:endParaRPr lang="en-US" sz="2000" dirty="0">
-              <a:latin typeface="Palatino" charset="0"/>
-              <a:ea typeface="Palatino" charset="0"/>
-              <a:cs typeface="Palatino" charset="0"/>
-            </a:endParaRPr>
           </a:p>
         </p:txBody>
       </p:sp>
@@ -3930,7 +4248,7 @@
         </p:nvSpPr>
         <p:spPr>
           <a:xfrm>
-            <a:off x="4905199" y="4400504"/>
+            <a:off x="4905200" y="5543504"/>
             <a:ext cx="622139" cy="400110"/>
           </a:xfrm>
           <a:prstGeom prst="rect">
@@ -3953,11 +4271,6 @@
               </a:rPr>
               <a:t>(c)</a:t>
             </a:r>
-            <a:endParaRPr lang="en-US" sz="2000" dirty="0">
-              <a:latin typeface="Palatino" charset="0"/>
-              <a:ea typeface="Palatino" charset="0"/>
-              <a:cs typeface="Palatino" charset="0"/>
-            </a:endParaRPr>
           </a:p>
         </p:txBody>
       </p:sp>
@@ -3969,7 +4282,7 @@
         </p:nvSpPr>
         <p:spPr>
           <a:xfrm>
-            <a:off x="6923652" y="4400504"/>
+            <a:off x="6923653" y="5543504"/>
             <a:ext cx="622139" cy="400110"/>
           </a:xfrm>
           <a:prstGeom prst="rect">
@@ -4013,7 +4326,7 @@
 </p:sld>
 </file>
 
-<file path=ppt/slides/slide3.xml><?xml version="1.0" encoding="utf-8"?>
+<file path=ppt/slides/slide4.xml><?xml version="1.0" encoding="utf-8"?>
 <p:sld xmlns:a="http://schemas.openxmlformats.org/drawingml/2006/main" xmlns:r="http://schemas.openxmlformats.org/officeDocument/2006/relationships" xmlns:p="http://schemas.openxmlformats.org/presentationml/2006/main">
   <p:cSld>
     <p:spTree>
@@ -4040,7 +4353,7 @@
             </p:nvSpPr>
             <p:spPr>
               <a:xfrm>
-                <a:off x="22725465" y="8956528"/>
+                <a:off x="22725465" y="11242528"/>
                 <a:ext cx="3174101" cy="1181542"/>
               </a:xfrm>
               <a:prstGeom prst="rect">
@@ -4220,7 +4533,7 @@
         </p:nvSpPr>
         <p:spPr>
           <a:xfrm>
-            <a:off x="878805" y="4579206"/>
+            <a:off x="878806" y="5722206"/>
             <a:ext cx="622139" cy="400110"/>
           </a:xfrm>
           <a:prstGeom prst="rect">
@@ -4243,11 +4556,6 @@
               </a:rPr>
               <a:t>(a)</a:t>
             </a:r>
-            <a:endParaRPr lang="en-US" sz="2000" dirty="0">
-              <a:latin typeface="Palatino" charset="0"/>
-              <a:ea typeface="Palatino" charset="0"/>
-              <a:cs typeface="Palatino" charset="0"/>
-            </a:endParaRPr>
           </a:p>
         </p:txBody>
       </p:sp>
@@ -4273,7 +4581,7 @@
         </p:blipFill>
         <p:spPr>
           <a:xfrm>
-            <a:off x="92596" y="1379962"/>
+            <a:off x="92596" y="2522962"/>
             <a:ext cx="2194560" cy="1645920"/>
           </a:xfrm>
           <a:prstGeom prst="rect">
@@ -4303,7 +4611,7 @@
         </p:blipFill>
         <p:spPr>
           <a:xfrm>
-            <a:off x="92598" y="-47625"/>
+            <a:off x="92598" y="1095375"/>
             <a:ext cx="2194560" cy="1645920"/>
           </a:xfrm>
           <a:prstGeom prst="rect">
@@ -4333,7 +4641,7 @@
         </p:blipFill>
         <p:spPr>
           <a:xfrm>
-            <a:off x="2072512" y="-47625"/>
+            <a:off x="2072512" y="1095375"/>
             <a:ext cx="2194560" cy="1645920"/>
           </a:xfrm>
           <a:prstGeom prst="rect">
@@ -4363,7 +4671,7 @@
         </p:blipFill>
         <p:spPr>
           <a:xfrm>
-            <a:off x="2072512" y="1377855"/>
+            <a:off x="2072512" y="2520855"/>
             <a:ext cx="2194560" cy="1645920"/>
           </a:xfrm>
           <a:prstGeom prst="rect">
@@ -4393,7 +4701,7 @@
         </p:blipFill>
         <p:spPr>
           <a:xfrm>
-            <a:off x="4052425" y="1359285"/>
+            <a:off x="4052425" y="2502285"/>
             <a:ext cx="2194560" cy="1645920"/>
           </a:xfrm>
           <a:prstGeom prst="rect">
@@ -4423,7 +4731,7 @@
         </p:blipFill>
         <p:spPr>
           <a:xfrm>
-            <a:off x="4052426" y="-47625"/>
+            <a:off x="4052426" y="1095375"/>
             <a:ext cx="2194560" cy="1645920"/>
           </a:xfrm>
           <a:prstGeom prst="rect">
@@ -4453,7 +4761,7 @@
         </p:blipFill>
         <p:spPr>
           <a:xfrm>
-            <a:off x="6032341" y="-47625"/>
+            <a:off x="6032341" y="1095375"/>
             <a:ext cx="2194560" cy="1645920"/>
           </a:xfrm>
           <a:prstGeom prst="rect">
@@ -4483,7 +4791,7 @@
         </p:blipFill>
         <p:spPr>
           <a:xfrm>
-            <a:off x="6032340" y="1359285"/>
+            <a:off x="6032340" y="2502285"/>
             <a:ext cx="2194560" cy="1645920"/>
           </a:xfrm>
           <a:prstGeom prst="rect">
@@ -4513,7 +4821,7 @@
         </p:blipFill>
         <p:spPr>
           <a:xfrm>
-            <a:off x="92594" y="2830477"/>
+            <a:off x="92594" y="3973477"/>
             <a:ext cx="2194560" cy="1645920"/>
           </a:xfrm>
           <a:prstGeom prst="rect">
@@ -4543,7 +4851,7 @@
         </p:blipFill>
         <p:spPr>
           <a:xfrm>
-            <a:off x="2072512" y="2830477"/>
+            <a:off x="2072512" y="3973477"/>
             <a:ext cx="2194560" cy="1645920"/>
           </a:xfrm>
           <a:prstGeom prst="rect">
@@ -4573,7 +4881,7 @@
         </p:blipFill>
         <p:spPr>
           <a:xfrm>
-            <a:off x="4052425" y="2830477"/>
+            <a:off x="4052425" y="3973477"/>
             <a:ext cx="2194560" cy="1645920"/>
           </a:xfrm>
           <a:prstGeom prst="rect">
@@ -4603,7 +4911,7 @@
         </p:blipFill>
         <p:spPr>
           <a:xfrm>
-            <a:off x="6035040" y="2830477"/>
+            <a:off x="6035040" y="3973477"/>
             <a:ext cx="2194560" cy="1645920"/>
           </a:xfrm>
           <a:prstGeom prst="rect">
@@ -4619,7 +4927,7 @@
         </p:nvSpPr>
         <p:spPr>
           <a:xfrm>
-            <a:off x="2858723" y="4579206"/>
+            <a:off x="2858724" y="5722206"/>
             <a:ext cx="622139" cy="400110"/>
           </a:xfrm>
           <a:prstGeom prst="rect">
@@ -4642,11 +4950,6 @@
               </a:rPr>
               <a:t>(b)</a:t>
             </a:r>
-            <a:endParaRPr lang="en-US" sz="2000" dirty="0">
-              <a:latin typeface="Palatino" charset="0"/>
-              <a:ea typeface="Palatino" charset="0"/>
-              <a:cs typeface="Palatino" charset="0"/>
-            </a:endParaRPr>
           </a:p>
         </p:txBody>
       </p:sp>
@@ -4658,7 +4961,7 @@
         </p:nvSpPr>
         <p:spPr>
           <a:xfrm>
-            <a:off x="4838636" y="4579206"/>
+            <a:off x="4838637" y="5722206"/>
             <a:ext cx="622139" cy="400110"/>
           </a:xfrm>
           <a:prstGeom prst="rect">
@@ -4681,11 +4984,6 @@
               </a:rPr>
               <a:t>(c)</a:t>
             </a:r>
-            <a:endParaRPr lang="en-US" sz="2000" dirty="0">
-              <a:latin typeface="Palatino" charset="0"/>
-              <a:ea typeface="Palatino" charset="0"/>
-              <a:cs typeface="Palatino" charset="0"/>
-            </a:endParaRPr>
           </a:p>
         </p:txBody>
       </p:sp>
@@ -4697,7 +4995,7 @@
         </p:nvSpPr>
         <p:spPr>
           <a:xfrm>
-            <a:off x="6818549" y="4579206"/>
+            <a:off x="6818550" y="5722206"/>
             <a:ext cx="622139" cy="400110"/>
           </a:xfrm>
           <a:prstGeom prst="rect">
